--- a/lesson-2/Students materials - 2 - Whitebox techniques.pptx
+++ b/lesson-2/Students materials - 2 - Whitebox techniques.pptx
@@ -5685,7 +5685,7 @@
                 <a:ea typeface="MS PGothic" panose="020B0600070205080204" pitchFamily="34" charset="-128"/>
                 <a:cs typeface="+mn-cs"/>
               </a:rPr>
-              <a:t>27-Oct-16</a:t>
+              <a:t>28-Oct-16</a:t>
             </a:fld>
             <a:endParaRPr kumimoji="0" lang="en-GB" sz="975" b="0" i="0" u="none" kern="1200" baseline="0" dirty="0">
               <a:solidFill>
@@ -6353,7 +6353,7 @@
                 <a:ea typeface="MS PGothic" panose="020B0600070205080204" pitchFamily="34" charset="-128"/>
                 <a:cs typeface="ＭＳ Ｐゴシック" charset="0"/>
               </a:rPr>
-              <a:t>13 </a:t>
+              <a:t>28 </a:t>
             </a:r>
             <a:r>
               <a:rPr lang="pl-PL" sz="1200" spc="-54" dirty="0" err="1">
@@ -6386,8 +6386,27 @@
                 <a:ea typeface="MS PGothic" panose="020B0600070205080204" pitchFamily="34" charset="-128"/>
                 <a:cs typeface="ＭＳ Ｐゴシック" charset="0"/>
               </a:rPr>
-              <a:t> 2015</a:t>
-            </a:r>
+              <a:t> 201</a:t>
+            </a:r>
+            <a:r>
+              <a:rPr lang="pl-PL" sz="1200" spc="-54" dirty="0">
+                <a:solidFill>
+                  <a:srgbClr val="213E7F"/>
+                </a:solidFill>
+                <a:latin typeface="+mj-lt"/>
+                <a:ea typeface="MS PGothic" panose="020B0600070205080204" pitchFamily="34" charset="-128"/>
+                <a:cs typeface="ＭＳ Ｐゴシック" charset="0"/>
+              </a:rPr>
+              <a:t>6</a:t>
+            </a:r>
+            <a:endParaRPr lang="en-GB" sz="1200" spc="-54" dirty="0">
+              <a:solidFill>
+                <a:srgbClr val="213E7F"/>
+              </a:solidFill>
+              <a:latin typeface="+mj-lt"/>
+              <a:ea typeface="MS PGothic" panose="020B0600070205080204" pitchFamily="34" charset="-128"/>
+              <a:cs typeface="ＭＳ Ｐゴシック" charset="0"/>
+            </a:endParaRPr>
           </a:p>
           <a:p>
             <a:r>
@@ -6402,7 +6421,7 @@
               <a:t>Version: </a:t>
             </a:r>
             <a:r>
-              <a:rPr lang="pl-PL" sz="1200" spc="-54" dirty="0">
+              <a:rPr lang="pl-PL" sz="1200" spc="-54">
                 <a:solidFill>
                   <a:srgbClr val="213E7F"/>
                 </a:solidFill>
@@ -6410,7 +6429,7 @@
                 <a:ea typeface="MS PGothic" panose="020B0600070205080204" pitchFamily="34" charset="-128"/>
                 <a:cs typeface="ＭＳ Ｐゴシック" charset="0"/>
               </a:rPr>
-              <a:t> 1.0</a:t>
+              <a:t> 1.1</a:t>
             </a:r>
             <a:endParaRPr lang="en-GB" sz="1200" spc="-54" dirty="0">
               <a:solidFill>
@@ -19720,9 +19739,12 @@
 </file>
 
 <file path=customXml/item1.xml><?xml version="1.0" encoding="utf-8"?>
-<p:properties xmlns:p="http://schemas.microsoft.com/office/2006/metadata/properties" xmlns:xsi="http://www.w3.org/2001/XMLSchema-instance" xmlns:pc="http://schemas.microsoft.com/office/infopath/2007/PartnerControls">
-  <documentManagement/>
-</p:properties>
+<?mso-contentType ?>
+<FormTemplates xmlns="http://schemas.microsoft.com/sharepoint/v3/contenttype/forms">
+  <Display>DocumentLibraryForm</Display>
+  <Edit>DocumentLibraryForm</Edit>
+  <New>DocumentLibraryForm</New>
+</FormTemplates>
 </file>
 
 <file path=customXml/item2.xml><?xml version="1.0" encoding="utf-8"?>
@@ -19840,25 +19862,15 @@
 </file>
 
 <file path=customXml/item3.xml><?xml version="1.0" encoding="utf-8"?>
-<?mso-contentType ?>
-<FormTemplates xmlns="http://schemas.microsoft.com/sharepoint/v3/contenttype/forms">
-  <Display>DocumentLibraryForm</Display>
-  <Edit>DocumentLibraryForm</Edit>
-  <New>DocumentLibraryForm</New>
-</FormTemplates>
+<p:properties xmlns:p="http://schemas.microsoft.com/office/2006/metadata/properties" xmlns:xsi="http://www.w3.org/2001/XMLSchema-instance" xmlns:pc="http://schemas.microsoft.com/office/infopath/2007/PartnerControls">
+  <documentManagement/>
+</p:properties>
 </file>
 
 <file path=customXml/itemProps1.xml><?xml version="1.0" encoding="utf-8"?>
-<ds:datastoreItem xmlns:ds="http://schemas.openxmlformats.org/officeDocument/2006/customXml" ds:itemID="{ED5C1EDB-6CF4-4DF3-AC39-1ADF53226D00}">
+<ds:datastoreItem xmlns:ds="http://schemas.openxmlformats.org/officeDocument/2006/customXml" ds:itemID="{A99115DC-C02A-4EF3-990D-5FF7CC0EE91A}">
   <ds:schemaRefs>
-    <ds:schemaRef ds:uri="http://purl.org/dc/terms/"/>
-    <ds:schemaRef ds:uri="http://schemas.openxmlformats.org/package/2006/metadata/core-properties"/>
-    <ds:schemaRef ds:uri="http://schemas.microsoft.com/office/2006/documentManagement/types"/>
-    <ds:schemaRef ds:uri="http://schemas.microsoft.com/office/infopath/2007/PartnerControls"/>
-    <ds:schemaRef ds:uri="http://purl.org/dc/elements/1.1/"/>
-    <ds:schemaRef ds:uri="http://schemas.microsoft.com/office/2006/metadata/properties"/>
-    <ds:schemaRef ds:uri="http://www.w3.org/XML/1998/namespace"/>
-    <ds:schemaRef ds:uri="http://purl.org/dc/dcmitype/"/>
+    <ds:schemaRef ds:uri="http://schemas.microsoft.com/sharepoint/v3/contenttype/forms"/>
   </ds:schemaRefs>
 </ds:datastoreItem>
 </file>
@@ -19880,9 +19892,16 @@
 </file>
 
 <file path=customXml/itemProps3.xml><?xml version="1.0" encoding="utf-8"?>
-<ds:datastoreItem xmlns:ds="http://schemas.openxmlformats.org/officeDocument/2006/customXml" ds:itemID="{A99115DC-C02A-4EF3-990D-5FF7CC0EE91A}">
+<ds:datastoreItem xmlns:ds="http://schemas.openxmlformats.org/officeDocument/2006/customXml" ds:itemID="{ED5C1EDB-6CF4-4DF3-AC39-1ADF53226D00}">
   <ds:schemaRefs>
-    <ds:schemaRef ds:uri="http://schemas.microsoft.com/sharepoint/v3/contenttype/forms"/>
+    <ds:schemaRef ds:uri="http://purl.org/dc/terms/"/>
+    <ds:schemaRef ds:uri="http://schemas.openxmlformats.org/package/2006/metadata/core-properties"/>
+    <ds:schemaRef ds:uri="http://schemas.microsoft.com/office/2006/documentManagement/types"/>
+    <ds:schemaRef ds:uri="http://schemas.microsoft.com/office/infopath/2007/PartnerControls"/>
+    <ds:schemaRef ds:uri="http://purl.org/dc/elements/1.1/"/>
+    <ds:schemaRef ds:uri="http://schemas.microsoft.com/office/2006/metadata/properties"/>
+    <ds:schemaRef ds:uri="http://www.w3.org/XML/1998/namespace"/>
+    <ds:schemaRef ds:uri="http://purl.org/dc/dcmitype/"/>
   </ds:schemaRefs>
 </ds:datastoreItem>
 </file>